--- a/solution_for_edirect_uri_mismatch.pptx
+++ b/solution_for_edirect_uri_mismatch.pptx
@@ -106,6 +106,11 @@
       </a:defRPr>
     </a:lvl9pPr>
   </p:defaultTextStyle>
+  <p:extLst>
+    <p:ext uri="{EFAFB233-063F-42B5-8137-9DF3F51BA10A}">
+      <p15:sldGuideLst xmlns:p15="http://schemas.microsoft.com/office/powerpoint/2012/main"/>
+    </p:ext>
+  </p:extLst>
 </p:presentation>
 </file>
 
@@ -3476,10 +3481,10 @@
       </p:grpSpPr>
       <p:pic>
         <p:nvPicPr>
-          <p:cNvPr id="7" name="그림 6" descr="텍스트, 스크린샷, 폰트, 번호이(가) 표시된 사진&#10;&#10;자동 생성된 설명">
-            <a:extLst>
-              <a:ext uri="{FF2B5EF4-FFF2-40B4-BE49-F238E27FC236}">
-                <a16:creationId xmlns:a16="http://schemas.microsoft.com/office/drawing/2014/main" id="{85711A6A-04AC-18AE-3C6B-6FD8A6ABA6F8}"/>
+          <p:cNvPr id="5" name="그림 4">
+            <a:extLst>
+              <a:ext uri="{FF2B5EF4-FFF2-40B4-BE49-F238E27FC236}">
+                <a16:creationId xmlns:a16="http://schemas.microsoft.com/office/drawing/2014/main" id="{40E045BB-ADA5-D3F1-AFC2-785CCDBA86CD}"/>
               </a:ext>
             </a:extLst>
           </p:cNvPr>
@@ -3496,8 +3501,8 @@
         </p:blipFill>
         <p:spPr>
           <a:xfrm>
-            <a:off x="6995700" y="608048"/>
-            <a:ext cx="4094767" cy="4992130"/>
+            <a:off x="7092437" y="675314"/>
+            <a:ext cx="4562433" cy="5507372"/>
           </a:xfrm>
           <a:prstGeom prst="rect">
             <a:avLst/>
@@ -3630,17 +3635,19 @@
               </a:ext>
             </a:extLst>
           </p:cNvPr>
-          <p:cNvCxnSpPr/>
+          <p:cNvCxnSpPr>
+            <a:cxnSpLocks/>
+          </p:cNvCxnSpPr>
           <p:nvPr/>
         </p:nvCxnSpPr>
         <p:spPr>
           <a:xfrm>
-            <a:off x="5563589" y="3384468"/>
-            <a:ext cx="1793175" cy="219693"/>
+            <a:off x="5563589" y="3366655"/>
+            <a:ext cx="1835501" cy="643283"/>
           </a:xfrm>
           <a:prstGeom prst="bentConnector3">
             <a:avLst>
-              <a:gd name="adj1" fmla="val 71854"/>
+              <a:gd name="adj1" fmla="val 34461"/>
             </a:avLst>
           </a:prstGeom>
           <a:ln>
